--- a/HACKATHON.pptx
+++ b/HACKATHON.pptx
@@ -7014,7 +7014,7 @@
               <a:t>             </a:t>
             </a:r>
             <a:r>
-              <a:rPr lang="en-IN" sz="3600" b="1" dirty="0">
+              <a:rPr lang="en-IN" sz="3600" b="1">
                 <a:solidFill>
                   <a:schemeClr val="tx1">
                     <a:lumMod val="65000"/>
@@ -7027,6 +7027,19 @@
               <a:t>“ </a:t>
             </a:r>
             <a:r>
+              <a:rPr lang="en-IN" sz="3600" b="1">
+                <a:solidFill>
+                  <a:schemeClr val="tx1">
+                    <a:lumMod val="65000"/>
+                    <a:lumOff val="35000"/>
+                  </a:schemeClr>
+                </a:solidFill>
+                <a:latin typeface="Algerian" panose="04020705040A02060702" pitchFamily="82" charset="0"/>
+                <a:cs typeface="Arial" panose="020B0604020202020204" pitchFamily="34" charset="0"/>
+              </a:rPr>
+              <a:t>MULTI-DB </a:t>
+            </a:r>
+            <a:r>
               <a:rPr lang="en-IN" sz="3600" b="1" dirty="0">
                 <a:solidFill>
                   <a:schemeClr val="tx1">
@@ -7037,7 +7050,7 @@
                 <a:latin typeface="Algerian" panose="04020705040A02060702" pitchFamily="82" charset="0"/>
                 <a:cs typeface="Arial" panose="020B0604020202020204" pitchFamily="34" charset="0"/>
               </a:rPr>
-              <a:t>MUTLI-DB ADAPTER </a:t>
+              <a:t>ADAPTER </a:t>
             </a:r>
             <a:r>
               <a:rPr lang="en-IN" sz="3600" b="1" dirty="0">
@@ -7139,7 +7152,7 @@
               <a:buNone/>
             </a:pPr>
             <a:r>
-              <a:rPr lang="en-IN" sz="1500" b="1">
+              <a:rPr lang="en-IN" sz="1500" b="1" dirty="0">
                 <a:solidFill>
                   <a:schemeClr val="tx1">
                     <a:lumMod val="65000"/>
@@ -7151,16 +7164,6 @@
               </a:rPr>
               <a:t>K HARSHITH</a:t>
             </a:r>
-            <a:endParaRPr lang="en-IN" sz="1500" b="1" dirty="0">
-              <a:solidFill>
-                <a:schemeClr val="tx1">
-                  <a:lumMod val="65000"/>
-                  <a:lumOff val="35000"/>
-                </a:schemeClr>
-              </a:solidFill>
-              <a:latin typeface="Arial" panose="020B0604020202020204" pitchFamily="34" charset="0"/>
-              <a:cs typeface="Arial" panose="020B0604020202020204" pitchFamily="34" charset="0"/>
-            </a:endParaRPr>
           </a:p>
           <a:p>
             <a:pPr marL="0" indent="0">
